--- a/Out of the Park.pptx
+++ b/Out of the Park.pptx
@@ -5,15 +5,17 @@
     <p:sldMasterId id="2147483648" r:id="rId1"/>
   </p:sldMasterIdLst>
   <p:notesMasterIdLst>
-    <p:notesMasterId r:id="rId8"/>
+    <p:notesMasterId r:id="rId10"/>
   </p:notesMasterIdLst>
   <p:sldIdLst>
     <p:sldId id="256" r:id="rId2"/>
     <p:sldId id="257" r:id="rId3"/>
-    <p:sldId id="261" r:id="rId4"/>
-    <p:sldId id="259" r:id="rId5"/>
-    <p:sldId id="258" r:id="rId6"/>
-    <p:sldId id="260" r:id="rId7"/>
+    <p:sldId id="262" r:id="rId4"/>
+    <p:sldId id="261" r:id="rId5"/>
+    <p:sldId id="259" r:id="rId6"/>
+    <p:sldId id="258" r:id="rId7"/>
+    <p:sldId id="263" r:id="rId8"/>
+    <p:sldId id="260" r:id="rId9"/>
   </p:sldIdLst>
   <p:sldSz cx="9144000" cy="5143500" type="screen16x9"/>
   <p:notesSz cx="6858000" cy="9144000"/>
@@ -720,6 +722,283 @@
           <a:bodyPr/>
           <a:lstStyle/>
           <a:p>
+            <a:endParaRPr lang="en-US" dirty="0"/>
+          </a:p>
+        </p:txBody>
+      </p:sp>
+      <p:sp>
+        <p:nvSpPr>
+          <p:cNvPr id="4" name="Slide Number Placeholder 3"/>
+          <p:cNvSpPr>
+            <a:spLocks noGrp="1"/>
+          </p:cNvSpPr>
+          <p:nvPr>
+            <p:ph type="sldNum" sz="quarter" idx="10"/>
+          </p:nvPr>
+        </p:nvSpPr>
+        <p:spPr/>
+        <p:txBody>
+          <a:bodyPr/>
+          <a:lstStyle/>
+          <a:p>
+            <a:fld id="{2BE6632B-54F0-4EA0-AB14-C4E949457EBE}" type="slidenum">
+              <a:rPr lang="en-US" smtClean="0"/>
+              <a:t>3</a:t>
+            </a:fld>
+            <a:endParaRPr lang="en-US"/>
+          </a:p>
+        </p:txBody>
+      </p:sp>
+    </p:spTree>
+    <p:extLst>
+      <p:ext uri="{BB962C8B-B14F-4D97-AF65-F5344CB8AC3E}">
+        <p14:creationId xmlns:p14="http://schemas.microsoft.com/office/powerpoint/2010/main" val="2458821786"/>
+      </p:ext>
+    </p:extLst>
+  </p:cSld>
+  <p:clrMapOvr>
+    <a:masterClrMapping/>
+  </p:clrMapOvr>
+</p:notes>
+</file>
+
+<file path=ppt/notesSlides/notesSlide4.xml><?xml version="1.0" encoding="utf-8"?>
+<p:notes xmlns:a="http://schemas.openxmlformats.org/drawingml/2006/main" xmlns:r="http://schemas.openxmlformats.org/officeDocument/2006/relationships" xmlns:p="http://schemas.openxmlformats.org/presentationml/2006/main">
+  <p:cSld>
+    <p:spTree>
+      <p:nvGrpSpPr>
+        <p:cNvPr id="1" name=""/>
+        <p:cNvGrpSpPr/>
+        <p:nvPr/>
+      </p:nvGrpSpPr>
+      <p:grpSpPr>
+        <a:xfrm>
+          <a:off x="0" y="0"/>
+          <a:ext cx="0" cy="0"/>
+          <a:chOff x="0" y="0"/>
+          <a:chExt cx="0" cy="0"/>
+        </a:xfrm>
+      </p:grpSpPr>
+      <p:sp>
+        <p:nvSpPr>
+          <p:cNvPr id="2" name="Slide Image Placeholder 1"/>
+          <p:cNvSpPr>
+            <a:spLocks noGrp="1" noRot="1" noChangeAspect="1"/>
+          </p:cNvSpPr>
+          <p:nvPr>
+            <p:ph type="sldImg"/>
+          </p:nvPr>
+        </p:nvSpPr>
+        <p:spPr/>
+      </p:sp>
+      <p:sp>
+        <p:nvSpPr>
+          <p:cNvPr id="3" name="Notes Placeholder 2"/>
+          <p:cNvSpPr>
+            <a:spLocks noGrp="1"/>
+          </p:cNvSpPr>
+          <p:nvPr>
+            <p:ph type="body" idx="1"/>
+          </p:nvPr>
+        </p:nvSpPr>
+        <p:spPr/>
+        <p:txBody>
+          <a:bodyPr/>
+          <a:lstStyle/>
+          <a:p>
+            <a:pPr marL="0" marR="0" indent="0" algn="l" defTabSz="914400" rtl="0" eaLnBrk="1" fontAlgn="auto" latinLnBrk="0" hangingPunct="1">
+              <a:lnSpc>
+                <a:spcPct val="100000"/>
+              </a:lnSpc>
+              <a:spcBef>
+                <a:spcPts val="0"/>
+              </a:spcBef>
+              <a:spcAft>
+                <a:spcPts val="0"/>
+              </a:spcAft>
+              <a:buClrTx/>
+              <a:buSzTx/>
+              <a:buFontTx/>
+              <a:buNone/>
+              <a:tabLst/>
+              <a:defRPr/>
+            </a:pPr>
+            <a:endParaRPr lang="en-US" dirty="0"/>
+          </a:p>
+        </p:txBody>
+      </p:sp>
+      <p:sp>
+        <p:nvSpPr>
+          <p:cNvPr id="4" name="Slide Number Placeholder 3"/>
+          <p:cNvSpPr>
+            <a:spLocks noGrp="1"/>
+          </p:cNvSpPr>
+          <p:nvPr>
+            <p:ph type="sldNum" sz="quarter" idx="10"/>
+          </p:nvPr>
+        </p:nvSpPr>
+        <p:spPr/>
+        <p:txBody>
+          <a:bodyPr/>
+          <a:lstStyle/>
+          <a:p>
+            <a:fld id="{2BE6632B-54F0-4EA0-AB14-C4E949457EBE}" type="slidenum">
+              <a:rPr lang="en-US" smtClean="0"/>
+              <a:t>4</a:t>
+            </a:fld>
+            <a:endParaRPr lang="en-US"/>
+          </a:p>
+        </p:txBody>
+      </p:sp>
+    </p:spTree>
+    <p:extLst>
+      <p:ext uri="{BB962C8B-B14F-4D97-AF65-F5344CB8AC3E}">
+        <p14:creationId xmlns:p14="http://schemas.microsoft.com/office/powerpoint/2010/main" val="3169875021"/>
+      </p:ext>
+    </p:extLst>
+  </p:cSld>
+  <p:clrMapOvr>
+    <a:masterClrMapping/>
+  </p:clrMapOvr>
+</p:notes>
+</file>
+
+<file path=ppt/notesSlides/notesSlide5.xml><?xml version="1.0" encoding="utf-8"?>
+<p:notes xmlns:a="http://schemas.openxmlformats.org/drawingml/2006/main" xmlns:r="http://schemas.openxmlformats.org/officeDocument/2006/relationships" xmlns:p="http://schemas.openxmlformats.org/presentationml/2006/main">
+  <p:cSld>
+    <p:spTree>
+      <p:nvGrpSpPr>
+        <p:cNvPr id="1" name=""/>
+        <p:cNvGrpSpPr/>
+        <p:nvPr/>
+      </p:nvGrpSpPr>
+      <p:grpSpPr>
+        <a:xfrm>
+          <a:off x="0" y="0"/>
+          <a:ext cx="0" cy="0"/>
+          <a:chOff x="0" y="0"/>
+          <a:chExt cx="0" cy="0"/>
+        </a:xfrm>
+      </p:grpSpPr>
+      <p:sp>
+        <p:nvSpPr>
+          <p:cNvPr id="2" name="Slide Image Placeholder 1"/>
+          <p:cNvSpPr>
+            <a:spLocks noGrp="1" noRot="1" noChangeAspect="1"/>
+          </p:cNvSpPr>
+          <p:nvPr>
+            <p:ph type="sldImg"/>
+          </p:nvPr>
+        </p:nvSpPr>
+        <p:spPr/>
+      </p:sp>
+      <p:sp>
+        <p:nvSpPr>
+          <p:cNvPr id="3" name="Notes Placeholder 2"/>
+          <p:cNvSpPr>
+            <a:spLocks noGrp="1"/>
+          </p:cNvSpPr>
+          <p:nvPr>
+            <p:ph type="body" idx="1"/>
+          </p:nvPr>
+        </p:nvSpPr>
+        <p:spPr/>
+        <p:txBody>
+          <a:bodyPr/>
+          <a:lstStyle/>
+          <a:p>
+            <a:r>
+              <a:rPr lang="en-US" dirty="0" smtClean="0"/>
+              <a:t>Parallax: Use the</a:t>
+            </a:r>
+            <a:r>
+              <a:rPr lang="en-US" baseline="0" dirty="0" smtClean="0"/>
+              <a:t> container element and add a background image to the container with a specific height. Then, use the background-attachment: fixed to create the actual parallax effect. The other background properties are used to center and scale the image. </a:t>
+            </a:r>
+            <a:endParaRPr lang="en-US" dirty="0"/>
+          </a:p>
+        </p:txBody>
+      </p:sp>
+      <p:sp>
+        <p:nvSpPr>
+          <p:cNvPr id="4" name="Slide Number Placeholder 3"/>
+          <p:cNvSpPr>
+            <a:spLocks noGrp="1"/>
+          </p:cNvSpPr>
+          <p:nvPr>
+            <p:ph type="sldNum" sz="quarter" idx="10"/>
+          </p:nvPr>
+        </p:nvSpPr>
+        <p:spPr/>
+        <p:txBody>
+          <a:bodyPr/>
+          <a:lstStyle/>
+          <a:p>
+            <a:fld id="{2BE6632B-54F0-4EA0-AB14-C4E949457EBE}" type="slidenum">
+              <a:rPr lang="en-US" smtClean="0"/>
+              <a:t>6</a:t>
+            </a:fld>
+            <a:endParaRPr lang="en-US"/>
+          </a:p>
+        </p:txBody>
+      </p:sp>
+    </p:spTree>
+    <p:extLst>
+      <p:ext uri="{BB962C8B-B14F-4D97-AF65-F5344CB8AC3E}">
+        <p14:creationId xmlns:p14="http://schemas.microsoft.com/office/powerpoint/2010/main" val="513364720"/>
+      </p:ext>
+    </p:extLst>
+  </p:cSld>
+  <p:clrMapOvr>
+    <a:masterClrMapping/>
+  </p:clrMapOvr>
+</p:notes>
+</file>
+
+<file path=ppt/notesSlides/notesSlide6.xml><?xml version="1.0" encoding="utf-8"?>
+<p:notes xmlns:a="http://schemas.openxmlformats.org/drawingml/2006/main" xmlns:r="http://schemas.openxmlformats.org/officeDocument/2006/relationships" xmlns:p="http://schemas.openxmlformats.org/presentationml/2006/main">
+  <p:cSld>
+    <p:spTree>
+      <p:nvGrpSpPr>
+        <p:cNvPr id="1" name=""/>
+        <p:cNvGrpSpPr/>
+        <p:nvPr/>
+      </p:nvGrpSpPr>
+      <p:grpSpPr>
+        <a:xfrm>
+          <a:off x="0" y="0"/>
+          <a:ext cx="0" cy="0"/>
+          <a:chOff x="0" y="0"/>
+          <a:chExt cx="0" cy="0"/>
+        </a:xfrm>
+      </p:grpSpPr>
+      <p:sp>
+        <p:nvSpPr>
+          <p:cNvPr id="2" name="Slide Image Placeholder 1"/>
+          <p:cNvSpPr>
+            <a:spLocks noGrp="1" noRot="1" noChangeAspect="1"/>
+          </p:cNvSpPr>
+          <p:nvPr>
+            <p:ph type="sldImg"/>
+          </p:nvPr>
+        </p:nvSpPr>
+        <p:spPr/>
+      </p:sp>
+      <p:sp>
+        <p:nvSpPr>
+          <p:cNvPr id="3" name="Notes Placeholder 2"/>
+          <p:cNvSpPr>
+            <a:spLocks noGrp="1"/>
+          </p:cNvSpPr>
+          <p:nvPr>
+            <p:ph type="body" idx="1"/>
+          </p:nvPr>
+        </p:nvSpPr>
+        <p:spPr/>
+        <p:txBody>
+          <a:bodyPr/>
+          <a:lstStyle/>
+          <a:p>
             <a:endParaRPr lang="en-US"/>
           </a:p>
         </p:txBody>
@@ -741,7 +1020,7 @@
           <a:p>
             <a:fld id="{87350B06-B074-48FC-8CFD-53D2CD8FB95F}" type="slidenum">
               <a:rPr lang="en-US" smtClean="0"/>
-              <a:t>6</a:t>
+              <a:t>8</a:t>
             </a:fld>
             <a:endParaRPr lang="en-US"/>
           </a:p>
@@ -4518,6 +4797,11 @@
           <a:bodyPr/>
           <a:lstStyle/>
           <a:p>
+            <a:pPr>
+              <a:lnSpc>
+                <a:spcPct val="200000"/>
+              </a:lnSpc>
+            </a:pPr>
             <a:r>
               <a:rPr lang="en-US" dirty="0" smtClean="0"/>
               <a:t>Locates parking </a:t>
@@ -4580,56 +4864,123 @@
       </p:grpSpPr>
       <p:sp>
         <p:nvSpPr>
-          <p:cNvPr id="2" name="Title 1"/>
-          <p:cNvSpPr>
-            <a:spLocks noGrp="1"/>
-          </p:cNvSpPr>
-          <p:nvPr>
-            <p:ph type="title"/>
-          </p:nvPr>
-        </p:nvSpPr>
-        <p:spPr/>
-        <p:txBody>
-          <a:bodyPr/>
-          <a:lstStyle/>
-          <a:p>
-            <a:r>
-              <a:rPr lang="en-US" dirty="0" smtClean="0"/>
-              <a:t>Design Process</a:t>
-            </a:r>
-            <a:endParaRPr lang="en-US" dirty="0"/>
-          </a:p>
-        </p:txBody>
-      </p:sp>
-      <p:sp>
-        <p:nvSpPr>
-          <p:cNvPr id="3" name="Content Placeholder 2"/>
-          <p:cNvSpPr>
-            <a:spLocks noGrp="1"/>
-          </p:cNvSpPr>
-          <p:nvPr>
-            <p:ph idx="1"/>
-          </p:nvPr>
-        </p:nvSpPr>
-        <p:spPr/>
-        <p:txBody>
-          <a:bodyPr/>
-          <a:lstStyle/>
-          <a:p>
-            <a:r>
-              <a:rPr lang="en-US" smtClean="0"/>
-              <a:t>Parallax scrolling</a:t>
-            </a:r>
-          </a:p>
-          <a:p>
-            <a:endParaRPr lang="en-US" dirty="0"/>
+          <p:cNvPr id="3" name="Rectangle 2"/>
+          <p:cNvSpPr/>
+          <p:nvPr/>
+        </p:nvSpPr>
+        <p:spPr>
+          <a:xfrm>
+            <a:off x="296260" y="281175"/>
+            <a:ext cx="2259678" cy="646331"/>
+          </a:xfrm>
+          <a:prstGeom prst="rect">
+            <a:avLst/>
+          </a:prstGeom>
+        </p:spPr>
+        <p:txBody>
+          <a:bodyPr wrap="none">
+            <a:spAutoFit/>
+          </a:bodyPr>
+          <a:lstStyle/>
+          <a:p>
+            <a:r>
+              <a:rPr lang="en-US" sz="3600" dirty="0" smtClean="0">
+                <a:solidFill>
+                  <a:srgbClr val="FF5E1D"/>
+                </a:solidFill>
+              </a:rPr>
+              <a:t>Motivation</a:t>
+            </a:r>
+            <a:endParaRPr lang="en-US" sz="3600" dirty="0">
+              <a:solidFill>
+                <a:srgbClr val="FF5E1D"/>
+              </a:solidFill>
+            </a:endParaRPr>
+          </a:p>
+        </p:txBody>
+      </p:sp>
+      <p:sp>
+        <p:nvSpPr>
+          <p:cNvPr id="4" name="TextBox 3"/>
+          <p:cNvSpPr txBox="1"/>
+          <p:nvPr/>
+        </p:nvSpPr>
+        <p:spPr>
+          <a:xfrm>
+            <a:off x="448965" y="1350110"/>
+            <a:ext cx="7940660" cy="3539431"/>
+          </a:xfrm>
+          <a:prstGeom prst="rect">
+            <a:avLst/>
+          </a:prstGeom>
+          <a:noFill/>
+        </p:spPr>
+        <p:txBody>
+          <a:bodyPr wrap="square" rtlCol="0">
+            <a:spAutoFit/>
+          </a:bodyPr>
+          <a:lstStyle/>
+          <a:p>
+            <a:pPr marL="285750" indent="-285750">
+              <a:buFont typeface="Arial"/>
+              <a:buChar char="•"/>
+            </a:pPr>
+            <a:r>
+              <a:rPr lang="en-US" sz="2800" dirty="0"/>
+              <a:t>A</a:t>
+            </a:r>
+            <a:r>
+              <a:rPr lang="en-US" sz="2800" dirty="0" smtClean="0"/>
+              <a:t>vid </a:t>
+            </a:r>
+            <a:r>
+              <a:rPr lang="en-US" sz="2800" dirty="0"/>
+              <a:t>baseball fans and frequent game goers. </a:t>
+            </a:r>
+            <a:endParaRPr lang="en-US" sz="2800" dirty="0" smtClean="0"/>
+          </a:p>
+          <a:p>
+            <a:endParaRPr lang="en-US" sz="2800" dirty="0"/>
+          </a:p>
+          <a:p>
+            <a:pPr marL="285750" indent="-285750">
+              <a:buFont typeface="Arial"/>
+              <a:buChar char="•"/>
+            </a:pPr>
+            <a:r>
+              <a:rPr lang="en-US" sz="2800" dirty="0" smtClean="0"/>
+              <a:t>It </a:t>
+            </a:r>
+            <a:r>
+              <a:rPr lang="en-US" sz="2800" dirty="0"/>
+              <a:t>can be frustrating to navigate one-way downtown streets only to find multiple garages and lots filled to capacity. </a:t>
+            </a:r>
+            <a:endParaRPr lang="en-US" sz="2800" dirty="0" smtClean="0"/>
+          </a:p>
+          <a:p>
+            <a:pPr marL="285750" indent="-285750">
+              <a:buFont typeface="Arial"/>
+              <a:buChar char="•"/>
+            </a:pPr>
+            <a:endParaRPr lang="en-US" sz="2800" dirty="0"/>
+          </a:p>
+          <a:p>
+            <a:pPr marL="285750" indent="-285750">
+              <a:buFont typeface="Arial"/>
+              <a:buChar char="•"/>
+            </a:pPr>
+            <a:r>
+              <a:rPr lang="en-US" sz="2800" dirty="0" smtClean="0"/>
+              <a:t>Parking prices increase for popular game days and popular visiting teams. </a:t>
+            </a:r>
+            <a:endParaRPr lang="en-US" sz="2800" dirty="0"/>
           </a:p>
         </p:txBody>
       </p:sp>
     </p:spTree>
     <p:extLst>
       <p:ext uri="{BB962C8B-B14F-4D97-AF65-F5344CB8AC3E}">
-        <p14:creationId xmlns:p14="http://schemas.microsoft.com/office/powerpoint/2010/main" val="2354750801"/>
+        <p14:creationId xmlns:p14="http://schemas.microsoft.com/office/powerpoint/2010/main" val="911275487"/>
       </p:ext>
     </p:extLst>
   </p:cSld>
@@ -4658,7 +5009,7 @@
       </p:grpSpPr>
       <p:sp>
         <p:nvSpPr>
-          <p:cNvPr id="4" name="Title 3"/>
+          <p:cNvPr id="2" name="Title 1"/>
           <p:cNvSpPr>
             <a:spLocks noGrp="1"/>
           </p:cNvSpPr>
@@ -4668,14 +5019,12 @@
         </p:nvSpPr>
         <p:spPr/>
         <p:txBody>
-          <a:bodyPr>
-            <a:normAutofit fontScale="90000"/>
-          </a:bodyPr>
+          <a:bodyPr/>
           <a:lstStyle/>
           <a:p>
             <a:r>
               <a:rPr lang="en-US" dirty="0" smtClean="0"/>
-              <a:t>API’s</a:t>
+              <a:t>Design Process</a:t>
             </a:r>
             <a:endParaRPr lang="en-US" dirty="0"/>
           </a:p>
@@ -4683,7 +5032,7 @@
       </p:sp>
       <p:sp>
         <p:nvSpPr>
-          <p:cNvPr id="5" name="Content Placeholder 4"/>
+          <p:cNvPr id="3" name="Content Placeholder 2"/>
           <p:cNvSpPr>
             <a:spLocks noGrp="1"/>
           </p:cNvSpPr>
@@ -4698,22 +5047,28 @@
           <a:p>
             <a:r>
               <a:rPr lang="en-US" dirty="0" smtClean="0"/>
-              <a:t>ParkWhiz</a:t>
-            </a:r>
-            <a:endParaRPr lang="en-US" dirty="0"/>
+              <a:t>Parallax scrolling</a:t>
+            </a:r>
           </a:p>
           <a:p>
             <a:r>
               <a:rPr lang="en-US" dirty="0" smtClean="0"/>
-              <a:t>Bing Maps </a:t>
-            </a:r>
-            <a:endParaRPr lang="en-US" dirty="0"/>
+              <a:t>Integration of Bing Maps</a:t>
+            </a:r>
           </a:p>
           <a:p>
             <a:r>
               <a:rPr lang="en-US" dirty="0" smtClean="0"/>
-              <a:t>Zomato</a:t>
-            </a:r>
+              <a:t>Address input and directions search</a:t>
+            </a:r>
+          </a:p>
+          <a:p>
+            <a:r>
+              <a:rPr lang="en-US" dirty="0" smtClean="0"/>
+              <a:t>Integration of Zomato for restaurant suggestions.</a:t>
+            </a:r>
+          </a:p>
+          <a:p>
             <a:endParaRPr lang="en-US" dirty="0"/>
           </a:p>
         </p:txBody>
@@ -4721,7 +5076,7 @@
     </p:spTree>
     <p:extLst>
       <p:ext uri="{BB962C8B-B14F-4D97-AF65-F5344CB8AC3E}">
-        <p14:creationId xmlns:p14="http://schemas.microsoft.com/office/powerpoint/2010/main" val="1101633878"/>
+        <p14:creationId xmlns:p14="http://schemas.microsoft.com/office/powerpoint/2010/main" val="2354750801"/>
       </p:ext>
     </p:extLst>
   </p:cSld>
@@ -4760,12 +5115,14 @@
         </p:nvSpPr>
         <p:spPr/>
         <p:txBody>
-          <a:bodyPr/>
-          <a:lstStyle/>
-          <a:p>
-            <a:r>
-              <a:rPr lang="en-US"/>
-              <a:t>Slide Title</a:t>
+          <a:bodyPr>
+            <a:normAutofit fontScale="90000"/>
+          </a:bodyPr>
+          <a:lstStyle/>
+          <a:p>
+            <a:r>
+              <a:rPr lang="en-US" smtClean="0"/>
+              <a:t>APIs</a:t>
             </a:r>
             <a:endParaRPr lang="en-US" dirty="0"/>
           </a:p>
@@ -4773,117 +5130,171 @@
       </p:sp>
       <p:sp>
         <p:nvSpPr>
-          <p:cNvPr id="5" name="Text Placeholder 4"/>
-          <p:cNvSpPr>
-            <a:spLocks noGrp="1"/>
-          </p:cNvSpPr>
-          <p:nvPr>
-            <p:ph type="body" idx="1"/>
-          </p:nvPr>
-        </p:nvSpPr>
-        <p:spPr/>
-        <p:txBody>
-          <a:bodyPr/>
-          <a:lstStyle/>
-          <a:p>
-            <a:r>
-              <a:rPr lang="en-US"/>
-              <a:t>Product A</a:t>
+          <p:cNvPr id="5" name="Content Placeholder 4"/>
+          <p:cNvSpPr>
+            <a:spLocks noGrp="1"/>
+          </p:cNvSpPr>
+          <p:nvPr>
+            <p:ph idx="1"/>
+          </p:nvPr>
+        </p:nvSpPr>
+        <p:spPr/>
+        <p:txBody>
+          <a:bodyPr/>
+          <a:lstStyle/>
+          <a:p>
+            <a:r>
+              <a:rPr lang="en-US" dirty="0" smtClean="0"/>
+              <a:t>ParkWhiz</a:t>
             </a:r>
             <a:endParaRPr lang="en-US" dirty="0"/>
           </a:p>
-        </p:txBody>
-      </p:sp>
-      <p:sp>
-        <p:nvSpPr>
-          <p:cNvPr id="6" name="Content Placeholder 5"/>
-          <p:cNvSpPr>
-            <a:spLocks noGrp="1"/>
-          </p:cNvSpPr>
-          <p:nvPr>
-            <p:ph sz="half" idx="2"/>
-          </p:nvPr>
-        </p:nvSpPr>
-        <p:spPr/>
-        <p:txBody>
-          <a:bodyPr/>
-          <a:lstStyle/>
-          <a:p>
-            <a:r>
-              <a:rPr lang="en-US"/>
-              <a:t>Feature 1</a:t>
-            </a:r>
-          </a:p>
-          <a:p>
-            <a:r>
-              <a:rPr lang="en-US"/>
-              <a:t>Feature 2</a:t>
-            </a:r>
-          </a:p>
-          <a:p>
-            <a:r>
-              <a:rPr lang="en-US"/>
-              <a:t>Feature 3</a:t>
+          <a:p>
+            <a:r>
+              <a:rPr lang="en-US" dirty="0" smtClean="0"/>
+              <a:t>Bing Maps </a:t>
             </a:r>
             <a:endParaRPr lang="en-US" dirty="0"/>
           </a:p>
-        </p:txBody>
-      </p:sp>
-      <p:sp>
-        <p:nvSpPr>
-          <p:cNvPr id="7" name="Text Placeholder 6"/>
-          <p:cNvSpPr>
-            <a:spLocks noGrp="1"/>
-          </p:cNvSpPr>
-          <p:nvPr>
-            <p:ph type="body" sz="quarter" idx="3"/>
-          </p:nvPr>
-        </p:nvSpPr>
-        <p:spPr/>
-        <p:txBody>
-          <a:bodyPr/>
-          <a:lstStyle/>
-          <a:p>
-            <a:r>
-              <a:rPr lang="en-US"/>
-              <a:t>Product B</a:t>
+          <a:p>
+            <a:r>
+              <a:rPr lang="en-US" dirty="0" smtClean="0"/>
+              <a:t>Zomato</a:t>
             </a:r>
             <a:endParaRPr lang="en-US" dirty="0"/>
           </a:p>
         </p:txBody>
       </p:sp>
-      <p:sp>
-        <p:nvSpPr>
-          <p:cNvPr id="8" name="Content Placeholder 7"/>
-          <p:cNvSpPr>
-            <a:spLocks noGrp="1"/>
-          </p:cNvSpPr>
-          <p:nvPr>
-            <p:ph sz="quarter" idx="4"/>
-          </p:nvPr>
-        </p:nvSpPr>
-        <p:spPr/>
-        <p:txBody>
-          <a:bodyPr/>
-          <a:lstStyle/>
-          <a:p>
-            <a:r>
-              <a:rPr lang="en-US"/>
-              <a:t>Feature 1</a:t>
-            </a:r>
-          </a:p>
-          <a:p>
-            <a:r>
-              <a:rPr lang="en-US"/>
-              <a:t>Feature 2</a:t>
-            </a:r>
-          </a:p>
-          <a:p>
-            <a:r>
-              <a:rPr lang="en-US"/>
-              <a:t>Feature 3</a:t>
+    </p:spTree>
+    <p:extLst>
+      <p:ext uri="{BB962C8B-B14F-4D97-AF65-F5344CB8AC3E}">
+        <p14:creationId xmlns:p14="http://schemas.microsoft.com/office/powerpoint/2010/main" val="1101633878"/>
+      </p:ext>
+    </p:extLst>
+  </p:cSld>
+  <p:clrMapOvr>
+    <a:masterClrMapping/>
+  </p:clrMapOvr>
+</p:sld>
+</file>
+
+<file path=ppt/slides/slide6.xml><?xml version="1.0" encoding="utf-8"?>
+<p:sld xmlns:a="http://schemas.openxmlformats.org/drawingml/2006/main" xmlns:r="http://schemas.openxmlformats.org/officeDocument/2006/relationships" xmlns:p="http://schemas.openxmlformats.org/presentationml/2006/main">
+  <p:cSld>
+    <p:spTree>
+      <p:nvGrpSpPr>
+        <p:cNvPr id="1" name=""/>
+        <p:cNvGrpSpPr/>
+        <p:nvPr/>
+      </p:nvGrpSpPr>
+      <p:grpSpPr>
+        <a:xfrm>
+          <a:off x="0" y="0"/>
+          <a:ext cx="0" cy="0"/>
+          <a:chOff x="0" y="0"/>
+          <a:chExt cx="0" cy="0"/>
+        </a:xfrm>
+      </p:grpSpPr>
+      <p:sp>
+        <p:nvSpPr>
+          <p:cNvPr id="4" name="Title 3"/>
+          <p:cNvSpPr>
+            <a:spLocks noGrp="1"/>
+          </p:cNvSpPr>
+          <p:nvPr>
+            <p:ph type="title"/>
+          </p:nvPr>
+        </p:nvSpPr>
+        <p:spPr/>
+        <p:txBody>
+          <a:bodyPr/>
+          <a:lstStyle/>
+          <a:p>
+            <a:r>
+              <a:rPr lang="en-US" dirty="0" smtClean="0"/>
+              <a:t>Future Development</a:t>
             </a:r>
             <a:endParaRPr lang="en-US" dirty="0"/>
+          </a:p>
+        </p:txBody>
+      </p:sp>
+      <p:sp>
+        <p:nvSpPr>
+          <p:cNvPr id="12" name="TextBox 11"/>
+          <p:cNvSpPr txBox="1"/>
+          <p:nvPr/>
+        </p:nvSpPr>
+        <p:spPr>
+          <a:xfrm>
+            <a:off x="448965" y="1350110"/>
+            <a:ext cx="7787955" cy="3539431"/>
+          </a:xfrm>
+          <a:prstGeom prst="rect">
+            <a:avLst/>
+          </a:prstGeom>
+          <a:noFill/>
+        </p:spPr>
+        <p:txBody>
+          <a:bodyPr wrap="square" rtlCol="0">
+            <a:spAutoFit/>
+          </a:bodyPr>
+          <a:lstStyle/>
+          <a:p>
+            <a:pPr marL="285750" indent="-285750">
+              <a:buFont typeface="Arial"/>
+              <a:buChar char="•"/>
+            </a:pPr>
+            <a:r>
+              <a:rPr lang="en-US" sz="2800" dirty="0" smtClean="0"/>
+              <a:t>Allow users to reserve spots via ParkWhiz for lots that allow online reservations.</a:t>
+            </a:r>
+          </a:p>
+          <a:p>
+            <a:endParaRPr lang="en-US" sz="2800" dirty="0" smtClean="0"/>
+          </a:p>
+          <a:p>
+            <a:pPr marL="285750" indent="-285750">
+              <a:buFont typeface="Arial"/>
+              <a:buChar char="•"/>
+            </a:pPr>
+            <a:r>
+              <a:rPr lang="en-US" sz="2800" dirty="0" smtClean="0"/>
+              <a:t>Set results based on price. </a:t>
+            </a:r>
+          </a:p>
+          <a:p>
+            <a:pPr marL="285750" indent="-285750">
+              <a:buFont typeface="Arial"/>
+              <a:buChar char="•"/>
+            </a:pPr>
+            <a:endParaRPr lang="en-US" sz="2800" dirty="0" smtClean="0"/>
+          </a:p>
+          <a:p>
+            <a:pPr marL="285750" indent="-285750">
+              <a:buFont typeface="Arial"/>
+              <a:buChar char="•"/>
+            </a:pPr>
+            <a:r>
+              <a:rPr lang="en-US" sz="2800" dirty="0" smtClean="0"/>
+              <a:t>Limit results to be within one mile of stadiums.</a:t>
+            </a:r>
+          </a:p>
+          <a:p>
+            <a:r>
+              <a:rPr lang="en-US" sz="2800" dirty="0" smtClean="0"/>
+              <a:t> </a:t>
+            </a:r>
+          </a:p>
+          <a:p>
+            <a:pPr marL="285750" indent="-285750">
+              <a:buFont typeface="Arial"/>
+              <a:buChar char="•"/>
+            </a:pPr>
+            <a:r>
+              <a:rPr lang="en-US" sz="2800" dirty="0" smtClean="0"/>
+              <a:t>Show restaurant distance from parking structures.</a:t>
+            </a:r>
+            <a:endParaRPr lang="en-US" sz="2800" dirty="0"/>
           </a:p>
         </p:txBody>
       </p:sp>
@@ -4900,7 +5311,81 @@
 </p:sld>
 </file>
 
-<file path=ppt/slides/slide6.xml><?xml version="1.0" encoding="utf-8"?>
+<file path=ppt/slides/slide7.xml><?xml version="1.0" encoding="utf-8"?>
+<p:sld xmlns:a="http://schemas.openxmlformats.org/drawingml/2006/main" xmlns:r="http://schemas.openxmlformats.org/officeDocument/2006/relationships" xmlns:p="http://schemas.openxmlformats.org/presentationml/2006/main">
+  <p:cSld>
+    <p:spTree>
+      <p:nvGrpSpPr>
+        <p:cNvPr id="1" name=""/>
+        <p:cNvGrpSpPr/>
+        <p:nvPr/>
+      </p:nvGrpSpPr>
+      <p:grpSpPr>
+        <a:xfrm>
+          <a:off x="0" y="0"/>
+          <a:ext cx="0" cy="0"/>
+          <a:chOff x="0" y="0"/>
+          <a:chExt cx="0" cy="0"/>
+        </a:xfrm>
+      </p:grpSpPr>
+      <p:sp>
+        <p:nvSpPr>
+          <p:cNvPr id="2" name="Title 1"/>
+          <p:cNvSpPr>
+            <a:spLocks noGrp="1"/>
+          </p:cNvSpPr>
+          <p:nvPr>
+            <p:ph type="title"/>
+          </p:nvPr>
+        </p:nvSpPr>
+        <p:spPr/>
+        <p:txBody>
+          <a:bodyPr>
+            <a:normAutofit fontScale="90000"/>
+          </a:bodyPr>
+          <a:lstStyle/>
+          <a:p>
+            <a:r>
+              <a:rPr lang="en-US" dirty="0" smtClean="0"/>
+              <a:t>Map Functionality</a:t>
+            </a:r>
+            <a:endParaRPr lang="en-US" dirty="0"/>
+          </a:p>
+        </p:txBody>
+      </p:sp>
+      <p:sp>
+        <p:nvSpPr>
+          <p:cNvPr id="3" name="Content Placeholder 2"/>
+          <p:cNvSpPr>
+            <a:spLocks noGrp="1"/>
+          </p:cNvSpPr>
+          <p:nvPr>
+            <p:ph idx="1"/>
+          </p:nvPr>
+        </p:nvSpPr>
+        <p:spPr/>
+        <p:txBody>
+          <a:bodyPr/>
+          <a:lstStyle/>
+          <a:p>
+            <a:endParaRPr lang="en-US" dirty="0"/>
+          </a:p>
+        </p:txBody>
+      </p:sp>
+    </p:spTree>
+    <p:extLst>
+      <p:ext uri="{BB962C8B-B14F-4D97-AF65-F5344CB8AC3E}">
+        <p14:creationId xmlns:p14="http://schemas.microsoft.com/office/powerpoint/2010/main" val="2740744860"/>
+      </p:ext>
+    </p:extLst>
+  </p:cSld>
+  <p:clrMapOvr>
+    <a:masterClrMapping/>
+  </p:clrMapOvr>
+</p:sld>
+</file>
+
+<file path=ppt/slides/slide8.xml><?xml version="1.0" encoding="utf-8"?>
 <p:sld xmlns:a="http://schemas.openxmlformats.org/drawingml/2006/main" xmlns:r="http://schemas.openxmlformats.org/officeDocument/2006/relationships" xmlns:p="http://schemas.openxmlformats.org/presentationml/2006/main">
   <p:cSld>
     <p:spTree>
